--- a/Group Meetings/Meeting3/presentation.pptx
+++ b/Group Meetings/Meeting3/presentation.pptx
@@ -310,6 +310,164 @@
     </a:lvl9pPr>
   </p:notesStyle>
 </p:notesMaster>
+</file>
+
+<file path=ppt/notesSlides/notesSlide1.xml><?xml version="1.0" encoding="utf-8"?>
+<p:notes xmlns:a="http://schemas.openxmlformats.org/drawingml/2006/main" xmlns:r="http://schemas.openxmlformats.org/officeDocument/2006/relationships" xmlns:p="http://schemas.openxmlformats.org/presentationml/2006/main">
+  <p:cSld>
+    <p:spTree>
+      <p:nvGrpSpPr>
+        <p:cNvPr id="1" name=""/>
+        <p:cNvGrpSpPr/>
+        <p:nvPr/>
+      </p:nvGrpSpPr>
+      <p:grpSpPr>
+        <a:xfrm>
+          <a:off x="0" y="0"/>
+          <a:ext cx="0" cy="0"/>
+          <a:chOff x="0" y="0"/>
+          <a:chExt cx="0" cy="0"/>
+        </a:xfrm>
+      </p:grpSpPr>
+      <p:sp>
+        <p:nvSpPr>
+          <p:cNvPr id="2" name="Slide Image Placeholder 1"/>
+          <p:cNvSpPr>
+            <a:spLocks noGrp="1" noRot="1" noChangeAspect="1"/>
+          </p:cNvSpPr>
+          <p:nvPr>
+            <p:ph type="sldImg"/>
+          </p:nvPr>
+        </p:nvSpPr>
+        <p:spPr/>
+      </p:sp>
+      <p:sp>
+        <p:nvSpPr>
+          <p:cNvPr id="3" name="Notes Placeholder 2"/>
+          <p:cNvSpPr>
+            <a:spLocks noGrp="1"/>
+          </p:cNvSpPr>
+          <p:nvPr>
+            <p:ph type="body" idx="1"/>
+          </p:nvPr>
+        </p:nvSpPr>
+        <p:spPr/>
+        <p:txBody>
+          <a:bodyPr/>
+          <a:lstStyle/>
+          <a:p>
+            <a:endParaRPr lang="en-US"/>
+          </a:p>
+          <a:p>
+            <a:r>
+              <a:rPr lang="en-US"/>
+              <a:t>----- Meeting Notes (09/02/15 12:23) -----</a:t>
+            </a:r>
+          </a:p>
+          <a:p>
+            <a:r>
+              <a:rPr lang="en-US"/>
+              <a:t>ordinal regression</a:t>
+            </a:r>
+          </a:p>
+        </p:txBody>
+      </p:sp>
+    </p:spTree>
+    <p:extLst>
+      <p:ext uri="{BB962C8B-B14F-4D97-AF65-F5344CB8AC3E}">
+        <p14:creationId xmlns:p14="http://schemas.microsoft.com/office/powerpoint/2010/main" val="4143302483"/>
+      </p:ext>
+    </p:extLst>
+  </p:cSld>
+  <p:clrMapOvr>
+    <a:masterClrMapping/>
+  </p:clrMapOvr>
+</p:notes>
+</file>
+
+<file path=ppt/notesSlides/notesSlide2.xml><?xml version="1.0" encoding="utf-8"?>
+<p:notes xmlns:a="http://schemas.openxmlformats.org/drawingml/2006/main" xmlns:r="http://schemas.openxmlformats.org/officeDocument/2006/relationships" xmlns:p="http://schemas.openxmlformats.org/presentationml/2006/main">
+  <p:cSld>
+    <p:spTree>
+      <p:nvGrpSpPr>
+        <p:cNvPr id="1" name=""/>
+        <p:cNvGrpSpPr/>
+        <p:nvPr/>
+      </p:nvGrpSpPr>
+      <p:grpSpPr>
+        <a:xfrm>
+          <a:off x="0" y="0"/>
+          <a:ext cx="0" cy="0"/>
+          <a:chOff x="0" y="0"/>
+          <a:chExt cx="0" cy="0"/>
+        </a:xfrm>
+      </p:grpSpPr>
+      <p:sp>
+        <p:nvSpPr>
+          <p:cNvPr id="2" name="Slide Image Placeholder 1"/>
+          <p:cNvSpPr>
+            <a:spLocks noGrp="1" noRot="1" noChangeAspect="1"/>
+          </p:cNvSpPr>
+          <p:nvPr>
+            <p:ph type="sldImg"/>
+          </p:nvPr>
+        </p:nvSpPr>
+        <p:spPr/>
+      </p:sp>
+      <p:sp>
+        <p:nvSpPr>
+          <p:cNvPr id="3" name="Notes Placeholder 2"/>
+          <p:cNvSpPr>
+            <a:spLocks noGrp="1"/>
+          </p:cNvSpPr>
+          <p:nvPr>
+            <p:ph type="body" idx="1"/>
+          </p:nvPr>
+        </p:nvSpPr>
+        <p:spPr/>
+        <p:txBody>
+          <a:bodyPr/>
+          <a:lstStyle/>
+          <a:p>
+            <a:endParaRPr lang="en-US"/>
+          </a:p>
+          <a:p>
+            <a:r>
+              <a:rPr lang="en-US"/>
+              <a:t>----- Meeting Notes (09/02/15 12:23) -----</a:t>
+            </a:r>
+          </a:p>
+          <a:p>
+            <a:r>
+              <a:rPr lang="en-US"/>
+              <a:t>ROC</a:t>
+            </a:r>
+          </a:p>
+          <a:p>
+            <a:r>
+              <a:rPr lang="en-US"/>
+              <a:t>Confusion matrix </a:t>
+            </a:r>
+          </a:p>
+          <a:p>
+            <a:r>
+              <a:rPr lang="en-US"/>
+              <a:t>	particularly for socio-economic</a:t>
+            </a:r>
+          </a:p>
+        </p:txBody>
+      </p:sp>
+    </p:spTree>
+    <p:extLst>
+      <p:ext uri="{BB962C8B-B14F-4D97-AF65-F5344CB8AC3E}">
+        <p14:creationId xmlns:p14="http://schemas.microsoft.com/office/powerpoint/2010/main" val="2037119961"/>
+      </p:ext>
+    </p:extLst>
+  </p:cSld>
+  <p:clrMapOvr>
+    <a:masterClrMapping/>
+  </p:clrMapOvr>
+</p:notes>
 </file>
 
 <file path=ppt/slideLayouts/slideLayout1.xml><?xml version="1.0" encoding="utf-8"?>
@@ -3226,6 +3384,13 @@
     <a:masterClrMapping/>
   </p:clrMapOvr>
   <p:transition xmlns:p14="http://schemas.microsoft.com/office/powerpoint/2010/main" spd="med"/>
+  <p:timing>
+    <p:tnLst>
+      <p:par>
+        <p:cTn xmlns:p14="http://schemas.microsoft.com/office/powerpoint/2010/main" id="1" dur="indefinite" restart="never" nodeType="tmRoot"/>
+      </p:par>
+    </p:tnLst>
+  </p:timing>
 </p:sld>
 </file>
 
@@ -3420,6 +3585,13 @@
     <a:masterClrMapping/>
   </p:clrMapOvr>
   <p:transition xmlns:p14="http://schemas.microsoft.com/office/powerpoint/2010/main" spd="med"/>
+  <p:timing>
+    <p:tnLst>
+      <p:par>
+        <p:cTn xmlns:p14="http://schemas.microsoft.com/office/powerpoint/2010/main" id="1" dur="indefinite" restart="never" nodeType="tmRoot"/>
+      </p:par>
+    </p:tnLst>
+  </p:timing>
 </p:sld>
 </file>
 
@@ -3579,6 +3751,13 @@
     <a:masterClrMapping/>
   </p:clrMapOvr>
   <p:transition xmlns:p14="http://schemas.microsoft.com/office/powerpoint/2010/main" spd="med"/>
+  <p:timing>
+    <p:tnLst>
+      <p:par>
+        <p:cTn xmlns:p14="http://schemas.microsoft.com/office/powerpoint/2010/main" id="1" dur="indefinite" restart="never" nodeType="tmRoot"/>
+      </p:par>
+    </p:tnLst>
+  </p:timing>
 </p:sld>
 </file>
 
@@ -3626,9 +3805,30 @@
               <a:defRPr sz="1800" cap="none"/>
             </a:pPr>
             <a:r>
-              <a:rPr sz="6440" cap="all"/>
-              <a:t>preprossessing</a:t>
+              <a:rPr lang="en-US" sz="6440" cap="all" dirty="0" smtClean="0"/>
+              <a:t>P</a:t>
             </a:r>
+            <a:r>
+              <a:rPr sz="6440" cap="all" dirty="0" smtClean="0"/>
+              <a:t>re</a:t>
+            </a:r>
+            <a:r>
+              <a:rPr lang="en-US" sz="6440" cap="all" dirty="0" smtClean="0"/>
+              <a:t>-</a:t>
+            </a:r>
+            <a:r>
+              <a:rPr sz="6440" cap="all" dirty="0" err="1" smtClean="0"/>
+              <a:t>pro</a:t>
+            </a:r>
+            <a:r>
+              <a:rPr lang="en-US" sz="6440" cap="all" dirty="0" err="1" smtClean="0"/>
+              <a:t>C</a:t>
+            </a:r>
+            <a:r>
+              <a:rPr sz="6440" cap="all" dirty="0" err="1" smtClean="0"/>
+              <a:t>essing</a:t>
+            </a:r>
+            <a:endParaRPr sz="6440" cap="all" dirty="0"/>
           </a:p>
         </p:txBody>
       </p:sp>
@@ -3667,7 +3867,7 @@
               </a:defRPr>
             </a:pPr>
             <a:r>
-              <a:rPr sz="1600">
+              <a:rPr sz="1600" dirty="0">
                 <a:solidFill>
                   <a:srgbClr val="57554B"/>
                 </a:solidFill>
@@ -3690,7 +3890,7 @@
               </a:defRPr>
             </a:pPr>
             <a:r>
-              <a:rPr sz="1600">
+              <a:rPr sz="1600" dirty="0">
                 <a:solidFill>
                   <a:srgbClr val="57554B"/>
                 </a:solidFill>
@@ -3713,12 +3913,20 @@
               </a:defRPr>
             </a:pPr>
             <a:r>
-              <a:rPr sz="1600">
+              <a:rPr sz="1600" dirty="0" smtClean="0">
                 <a:solidFill>
                   <a:srgbClr val="57554B"/>
                 </a:solidFill>
               </a:rPr>
-              <a:t>loost too much data</a:t>
+              <a:t>lost </a:t>
+            </a:r>
+            <a:r>
+              <a:rPr sz="1600" dirty="0">
+                <a:solidFill>
+                  <a:srgbClr val="57554B"/>
+                </a:solidFill>
+              </a:rPr>
+              <a:t>too much data</a:t>
             </a:r>
           </a:p>
           <a:p>
@@ -3736,7 +3944,7 @@
               </a:defRPr>
             </a:pPr>
             <a:r>
-              <a:rPr sz="1600">
+              <a:rPr sz="1600" dirty="0">
                 <a:solidFill>
                   <a:srgbClr val="57554B"/>
                 </a:solidFill>
@@ -3759,7 +3967,7 @@
               </a:defRPr>
             </a:pPr>
             <a:r>
-              <a:rPr sz="1600">
+              <a:rPr sz="1600" dirty="0">
                 <a:solidFill>
                   <a:srgbClr val="57554B"/>
                 </a:solidFill>
@@ -3782,7 +3990,7 @@
               </a:defRPr>
             </a:pPr>
             <a:r>
-              <a:rPr sz="1600">
+              <a:rPr sz="1600" dirty="0">
                 <a:solidFill>
                   <a:srgbClr val="57554B"/>
                 </a:solidFill>
@@ -3805,7 +4013,7 @@
               </a:defRPr>
             </a:pPr>
             <a:r>
-              <a:rPr sz="1600">
+              <a:rPr sz="1600" dirty="0">
                 <a:solidFill>
                   <a:srgbClr val="57554B"/>
                 </a:solidFill>
@@ -3828,7 +4036,7 @@
               </a:defRPr>
             </a:pPr>
             <a:r>
-              <a:rPr sz="1600">
+              <a:rPr sz="1600" dirty="0">
                 <a:solidFill>
                   <a:srgbClr val="57554B"/>
                 </a:solidFill>
@@ -3851,7 +4059,7 @@
               </a:defRPr>
             </a:pPr>
             <a:r>
-              <a:rPr sz="1600">
+              <a:rPr sz="1600" dirty="0">
                 <a:solidFill>
                   <a:srgbClr val="57554B"/>
                 </a:solidFill>
@@ -3874,7 +4082,7 @@
               </a:defRPr>
             </a:pPr>
             <a:r>
-              <a:rPr sz="1600">
+              <a:rPr sz="1600" dirty="0">
                 <a:solidFill>
                   <a:srgbClr val="57554B"/>
                 </a:solidFill>
@@ -3897,7 +4105,7 @@
               </a:defRPr>
             </a:pPr>
             <a:r>
-              <a:rPr sz="1600">
+              <a:rPr sz="1600" dirty="0">
                 <a:solidFill>
                   <a:srgbClr val="57554B"/>
                 </a:solidFill>
@@ -3920,7 +4128,7 @@
               </a:defRPr>
             </a:pPr>
             <a:r>
-              <a:rPr sz="1600">
+              <a:rPr sz="1600" dirty="0">
                 <a:solidFill>
                   <a:srgbClr val="57554B"/>
                 </a:solidFill>
@@ -3943,7 +4151,7 @@
               </a:defRPr>
             </a:pPr>
             <a:r>
-              <a:rPr sz="1600">
+              <a:rPr sz="1600" dirty="0">
                 <a:solidFill>
                   <a:srgbClr val="57554B"/>
                 </a:solidFill>
@@ -10024,6 +10232,13 @@
     <a:masterClrMapping/>
   </p:clrMapOvr>
   <p:transition xmlns:p14="http://schemas.microsoft.com/office/powerpoint/2010/main" spd="med"/>
+  <p:timing>
+    <p:tnLst>
+      <p:par>
+        <p:cTn xmlns:p14="http://schemas.microsoft.com/office/powerpoint/2010/main" id="1" dur="indefinite" restart="never" nodeType="tmRoot"/>
+      </p:par>
+    </p:tnLst>
+  </p:timing>
 </p:sld>
 </file>
 
@@ -10192,6 +10407,13 @@
     <a:masterClrMapping/>
   </p:clrMapOvr>
   <p:transition xmlns:p14="http://schemas.microsoft.com/office/powerpoint/2010/main" spd="med"/>
+  <p:timing>
+    <p:tnLst>
+      <p:par>
+        <p:cTn xmlns:p14="http://schemas.microsoft.com/office/powerpoint/2010/main" id="1" dur="indefinite" restart="never" nodeType="tmRoot"/>
+      </p:par>
+    </p:tnLst>
+  </p:timing>
 </p:sld>
 </file>
 
@@ -10237,7 +10459,7 @@
       </p:sp>
       <p:sp>
         <p:nvSpPr>
-          <p:cNvPr id="3" name="Text Placeholder 2"/>
+          <p:cNvPr id="5" name="Shape 60"/>
           <p:cNvSpPr>
             <a:spLocks noGrp="1"/>
           </p:cNvSpPr>
@@ -10247,9 +10469,12 @@
         </p:nvSpPr>
         <p:spPr>
           <a:xfrm>
-            <a:off x="1117600" y="2273299"/>
-            <a:ext cx="10769600" cy="6026189"/>
+            <a:off x="850900" y="2755900"/>
+            <a:ext cx="11303000" cy="6350000"/>
           </a:xfrm>
+          <a:prstGeom prst="rect">
+            <a:avLst/>
+          </a:prstGeom>
         </p:spPr>
         <p:txBody>
           <a:bodyPr>
@@ -10257,32 +10482,178 @@
           </a:bodyPr>
           <a:lstStyle/>
           <a:p>
-            <a:pPr marL="571500" indent="-571500" algn="l">
-              <a:buFont typeface="Arial"/>
-              <a:buChar char="•"/>
+            <a:pPr marL="177800" lvl="0" indent="-177800" algn="l" defTabSz="233679">
+              <a:spcBef>
+                <a:spcPts val="2200"/>
+              </a:spcBef>
+              <a:buBlip>
+                <a:blip r:embed="rId3"/>
+              </a:buBlip>
+              <a:defRPr sz="1800">
+                <a:solidFill>
+                  <a:srgbClr val="000000"/>
+                </a:solidFill>
+              </a:defRPr>
             </a:pPr>
             <a:r>
-              <a:rPr lang="en-US" dirty="0" smtClean="0"/>
+              <a:rPr lang="en-US" sz="2400" dirty="0" smtClean="0">
+                <a:solidFill>
+                  <a:srgbClr val="57554B"/>
+                </a:solidFill>
+                <a:latin typeface="+mj-lt"/>
+              </a:rPr>
               <a:t>Logistic Regression</a:t>
+            </a:r>
+            <a:endParaRPr sz="2400" dirty="0" smtClean="0">
+              <a:solidFill>
+                <a:srgbClr val="57554B"/>
+              </a:solidFill>
+              <a:latin typeface="+mj-lt"/>
+            </a:endParaRPr>
+          </a:p>
+          <a:p>
+            <a:pPr marL="355600" lvl="1" indent="-177800" algn="l" defTabSz="233679">
+              <a:spcBef>
+                <a:spcPts val="2200"/>
+              </a:spcBef>
+              <a:buBlip>
+                <a:blip r:embed="rId3"/>
+              </a:buBlip>
+              <a:defRPr sz="1800">
+                <a:solidFill>
+                  <a:srgbClr val="000000"/>
+                </a:solidFill>
+              </a:defRPr>
+            </a:pPr>
+            <a:r>
+              <a:rPr lang="en-US" sz="2400" dirty="0" smtClean="0">
+                <a:solidFill>
+                  <a:srgbClr val="57554B"/>
+                </a:solidFill>
+                <a:latin typeface="+mj-lt"/>
+              </a:rPr>
+              <a:t>Children vs. No Children –81% accuracy</a:t>
+            </a:r>
+            <a:endParaRPr sz="2400" dirty="0" smtClean="0">
+              <a:solidFill>
+                <a:srgbClr val="57554B"/>
+              </a:solidFill>
+              <a:latin typeface="+mj-lt"/>
+            </a:endParaRPr>
+          </a:p>
+          <a:p>
+            <a:pPr marL="355600" lvl="1" indent="-177800" algn="l" defTabSz="233679">
+              <a:spcBef>
+                <a:spcPts val="2200"/>
+              </a:spcBef>
+              <a:buBlip>
+                <a:blip r:embed="rId3"/>
+              </a:buBlip>
+              <a:defRPr sz="1800">
+                <a:solidFill>
+                  <a:srgbClr val="000000"/>
+                </a:solidFill>
+              </a:defRPr>
+            </a:pPr>
+            <a:r>
+              <a:rPr lang="en-US" sz="2400" dirty="0" smtClean="0">
+                <a:solidFill>
+                  <a:srgbClr val="57554B"/>
+                </a:solidFill>
+                <a:latin typeface="+mj-lt"/>
+              </a:rPr>
+              <a:t>Socio-Economic Status – 34% accuracy</a:t>
+            </a:r>
+            <a:endParaRPr sz="2400" dirty="0" smtClean="0">
+              <a:solidFill>
+                <a:srgbClr val="57554B"/>
+              </a:solidFill>
+              <a:latin typeface="+mj-lt"/>
+            </a:endParaRPr>
+          </a:p>
+          <a:p>
+            <a:pPr marL="177800" lvl="0" indent="-177800" algn="l" defTabSz="233679">
+              <a:spcBef>
+                <a:spcPts val="2200"/>
+              </a:spcBef>
+              <a:buBlip>
+                <a:blip r:embed="rId3"/>
+              </a:buBlip>
+              <a:defRPr sz="1800">
+                <a:solidFill>
+                  <a:srgbClr val="000000"/>
+                </a:solidFill>
+              </a:defRPr>
+            </a:pPr>
+            <a:r>
+              <a:rPr lang="en-US" sz="2400" dirty="0" smtClean="0">
+                <a:solidFill>
+                  <a:srgbClr val="57554B"/>
+                </a:solidFill>
+                <a:latin typeface="+mj-lt"/>
+              </a:rPr>
+              <a:t>Random Forrest</a:t>
+            </a:r>
+            <a:endParaRPr sz="2400" dirty="0" smtClean="0">
+              <a:solidFill>
+                <a:srgbClr val="57554B"/>
+              </a:solidFill>
+              <a:latin typeface="+mj-lt"/>
+            </a:endParaRPr>
+          </a:p>
+          <a:p>
+            <a:pPr marL="355600" lvl="1" indent="-177800" algn="l" defTabSz="233679">
+              <a:spcBef>
+                <a:spcPts val="2200"/>
+              </a:spcBef>
+              <a:buBlip>
+                <a:blip r:embed="rId3"/>
+              </a:buBlip>
+              <a:defRPr sz="1800">
+                <a:solidFill>
+                  <a:srgbClr val="000000"/>
+                </a:solidFill>
+              </a:defRPr>
+            </a:pPr>
+            <a:r>
+              <a:rPr lang="en-US" sz="2400" dirty="0" smtClean="0">
+                <a:solidFill>
+                  <a:srgbClr val="57554B"/>
+                </a:solidFill>
+                <a:latin typeface="+mj-lt"/>
+              </a:rPr>
+              <a:t> Children vs. No Children --80% accuracy</a:t>
             </a:r>
           </a:p>
           <a:p>
-            <a:pPr marL="571500" indent="-571500" algn="l">
-              <a:buFont typeface="Arial"/>
-              <a:buChar char="•"/>
-            </a:pPr>
-            <a:endParaRPr lang="en-US" dirty="0"/>
-          </a:p>
-          <a:p>
-            <a:pPr marL="571500" indent="-571500" algn="l">
-              <a:buFont typeface="Arial"/>
-              <a:buChar char="•"/>
+            <a:pPr marL="355600" lvl="1" indent="-177800" algn="l" defTabSz="233679">
+              <a:spcBef>
+                <a:spcPts val="2200"/>
+              </a:spcBef>
+              <a:buBlip>
+                <a:blip r:embed="rId3"/>
+              </a:buBlip>
+              <a:defRPr sz="1800">
+                <a:solidFill>
+                  <a:srgbClr val="000000"/>
+                </a:solidFill>
+              </a:defRPr>
             </a:pPr>
             <a:r>
-              <a:rPr lang="en-US" dirty="0" smtClean="0"/>
-              <a:t>Random Forrest</a:t>
+              <a:rPr lang="en-US" sz="2400" dirty="0" smtClean="0">
+                <a:solidFill>
+                  <a:srgbClr val="57554B"/>
+                </a:solidFill>
+                <a:latin typeface="+mj-lt"/>
+              </a:rPr>
+              <a:t>Socio-Economic Status -49% accuracy</a:t>
             </a:r>
-            <a:endParaRPr lang="en-US" dirty="0"/>
+            <a:endParaRPr sz="2400" dirty="0" smtClean="0">
+              <a:solidFill>
+                <a:srgbClr val="57554B"/>
+              </a:solidFill>
+              <a:latin typeface="+mj-lt"/>
+            </a:endParaRPr>
           </a:p>
         </p:txBody>
       </p:sp>
@@ -10297,6 +10668,13 @@
     <a:masterClrMapping/>
   </p:clrMapOvr>
   <p:transition xmlns:p14="http://schemas.microsoft.com/office/powerpoint/2010/main" spd="med"/>
+  <p:timing>
+    <p:tnLst>
+      <p:par>
+        <p:cTn xmlns:p14="http://schemas.microsoft.com/office/powerpoint/2010/main" id="1" dur="indefinite" restart="never" nodeType="tmRoot"/>
+      </p:par>
+    </p:tnLst>
+  </p:timing>
 </p:sld>
 </file>
 
@@ -10366,17 +10744,23 @@
           </p:nvPr>
         </p:nvSpPr>
         <p:spPr>
+          <a:xfrm>
+            <a:off x="850900" y="2902553"/>
+            <a:ext cx="11303000" cy="5409680"/>
+          </a:xfrm>
           <a:prstGeom prst="rect">
             <a:avLst/>
           </a:prstGeom>
         </p:spPr>
         <p:txBody>
-          <a:bodyPr/>
+          <a:bodyPr>
+            <a:normAutofit/>
+          </a:bodyPr>
           <a:lstStyle/>
           <a:p>
             <a:pPr lvl="0">
               <a:buBlip>
-                <a:blip r:embed="rId2"/>
+                <a:blip r:embed="rId3"/>
               </a:buBlip>
               <a:defRPr sz="1800">
                 <a:solidFill>
@@ -10385,18 +10769,48 @@
               </a:defRPr>
             </a:pPr>
             <a:r>
-              <a:rPr sz="4000">
+              <a:rPr lang="en-US" sz="3700" dirty="0" smtClean="0">
                 <a:solidFill>
                   <a:srgbClr val="57554B"/>
                 </a:solidFill>
               </a:rPr>
-              <a:t>Preprossess the rest of the data</a:t>
+              <a:t>Classification Measures</a:t>
             </a:r>
+          </a:p>
+          <a:p>
+            <a:pPr lvl="1">
+              <a:defRPr sz="1800">
+                <a:solidFill>
+                  <a:srgbClr val="000000"/>
+                </a:solidFill>
+              </a:defRPr>
+            </a:pPr>
+            <a:r>
+              <a:rPr lang="en-US" sz="3700" dirty="0" smtClean="0">
+                <a:solidFill>
+                  <a:srgbClr val="57554B"/>
+                </a:solidFill>
+              </a:rPr>
+              <a:t>Precision, recall </a:t>
+            </a:r>
+            <a:r>
+              <a:rPr lang="en-US" sz="3700" dirty="0" err="1" smtClean="0">
+                <a:solidFill>
+                  <a:srgbClr val="57554B"/>
+                </a:solidFill>
+              </a:rPr>
+              <a:t>etc</a:t>
+            </a:r>
+            <a:endParaRPr sz="3700" dirty="0">
+              <a:solidFill>
+                <a:srgbClr val="57554B"/>
+              </a:solidFill>
+            </a:endParaRPr>
           </a:p>
           <a:p>
             <a:pPr lvl="0">
               <a:buBlip>
-                <a:blip r:embed="rId2"/>
+                <a:blip r:embed="rId3"/>
               </a:buBlip>
               <a:defRPr sz="1800">
                 <a:solidFill>
@@ -10405,53 +10819,18 @@
               </a:defRPr>
             </a:pPr>
             <a:r>
-              <a:rPr sz="4000">
+              <a:rPr lang="en-US" sz="3700" dirty="0" smtClean="0">
                 <a:solidFill>
                   <a:srgbClr val="57554B"/>
                 </a:solidFill>
               </a:rPr>
-              <a:t>Feature Extraction</a:t>
+              <a:t>Write Report</a:t>
             </a:r>
-          </a:p>
-          <a:p>
-            <a:pPr lvl="1">
-              <a:buBlip>
-                <a:blip r:embed="rId2"/>
-              </a:buBlip>
-              <a:defRPr sz="1800">
-                <a:solidFill>
-                  <a:srgbClr val="000000"/>
-                </a:solidFill>
-              </a:defRPr>
-            </a:pPr>
-            <a:r>
-              <a:rPr sz="4000">
-                <a:solidFill>
-                  <a:srgbClr val="57554B"/>
-                </a:solidFill>
-              </a:rPr>
-              <a:t>how fine grained does the data have to be to see distinctions between classes?</a:t>
-            </a:r>
-          </a:p>
-          <a:p>
-            <a:pPr lvl="1">
-              <a:buBlip>
-                <a:blip r:embed="rId2"/>
-              </a:buBlip>
-              <a:defRPr sz="1800">
-                <a:solidFill>
-                  <a:srgbClr val="000000"/>
-                </a:solidFill>
-              </a:defRPr>
-            </a:pPr>
-            <a:r>
-              <a:rPr sz="4000">
-                <a:solidFill>
-                  <a:srgbClr val="57554B"/>
-                </a:solidFill>
-              </a:rPr>
-              <a:t>Use mean, variance, sum, FT or a combination as feature vectors?</a:t>
-            </a:r>
+            <a:endParaRPr sz="3700" dirty="0">
+              <a:solidFill>
+                <a:srgbClr val="57554B"/>
+              </a:solidFill>
+            </a:endParaRPr>
           </a:p>
         </p:txBody>
       </p:sp>
@@ -10461,6 +10840,13 @@
     <a:masterClrMapping/>
   </p:clrMapOvr>
   <p:transition xmlns:p14="http://schemas.microsoft.com/office/powerpoint/2010/main" spd="med"/>
+  <p:timing>
+    <p:tnLst>
+      <p:par>
+        <p:cTn xmlns:p14="http://schemas.microsoft.com/office/powerpoint/2010/main" id="1" dur="indefinite" restart="never" nodeType="tmRoot"/>
+      </p:par>
+    </p:tnLst>
+  </p:timing>
 </p:sld>
 </file>
 
